--- a/Deploy/Firebase/Firebase 시작하기.pptx
+++ b/Deploy/Firebase/Firebase 시작하기.pptx
@@ -5,10 +5,10 @@
     <p:sldMasterId id="2147483659" r:id="rId1"/>
   </p:sldMasterIdLst>
   <p:notesMasterIdLst>
-    <p:notesMasterId r:id="rId10"/>
+    <p:notesMasterId r:id="rId11"/>
   </p:notesMasterIdLst>
   <p:handoutMasterIdLst>
-    <p:handoutMasterId r:id="rId11"/>
+    <p:handoutMasterId r:id="rId12"/>
   </p:handoutMasterIdLst>
   <p:sldIdLst>
     <p:sldId id="615" r:id="rId2"/>
@@ -19,6 +19,7 @@
     <p:sldId id="1144" r:id="rId7"/>
     <p:sldId id="1149" r:id="rId8"/>
     <p:sldId id="1147" r:id="rId9"/>
+    <p:sldId id="1150" r:id="rId10"/>
   </p:sldIdLst>
   <p:sldSz cx="9144000" cy="6858000" type="screen4x3"/>
   <p:notesSz cx="6865938" cy="9998075"/>
@@ -4760,11 +4761,7 @@
             </a:r>
             <a:r>
               <a:rPr lang="ko-KR" altLang="en-US" sz="1600" dirty="0" smtClean="0"/>
-              <a:t> </a:t>
-            </a:r>
-            <a:r>
-              <a:rPr lang="ko-KR" altLang="en-US" sz="1600" dirty="0" smtClean="0"/>
-              <a:t>기반의 웹 소스를 올릴 수 있는 서비스입니다</a:t>
+              <a:t> 기반의 웹 소스를 올릴 수 있는 서비스입니다</a:t>
             </a:r>
             <a:r>
               <a:rPr lang="en-US" altLang="ko-KR" sz="1600" dirty="0" smtClean="0"/>
@@ -6167,6 +6164,464 @@
     <p:extLst>
       <p:ext uri="{BB962C8B-B14F-4D97-AF65-F5344CB8AC3E}">
         <p14:creationId xmlns:p14="http://schemas.microsoft.com/office/powerpoint/2010/main" val="2639101528"/>
+      </p:ext>
+    </p:extLst>
+  </p:cSld>
+  <p:clrMapOvr>
+    <a:masterClrMapping/>
+  </p:clrMapOvr>
+  <p:timing>
+    <p:tnLst>
+      <p:par>
+        <p:cTn id="1" dur="indefinite" restart="never" nodeType="tmRoot"/>
+      </p:par>
+    </p:tnLst>
+  </p:timing>
+</p:sld>
+</file>
+
+<file path=ppt/slides/slide9.xml><?xml version="1.0" encoding="utf-8"?>
+<p:sld xmlns:a="http://schemas.openxmlformats.org/drawingml/2006/main" xmlns:r="http://schemas.openxmlformats.org/officeDocument/2006/relationships" xmlns:p="http://schemas.openxmlformats.org/presentationml/2006/main">
+  <p:cSld>
+    <p:spTree>
+      <p:nvGrpSpPr>
+        <p:cNvPr id="1" name=""/>
+        <p:cNvGrpSpPr/>
+        <p:nvPr/>
+      </p:nvGrpSpPr>
+      <p:grpSpPr>
+        <a:xfrm>
+          <a:off x="0" y="0"/>
+          <a:ext cx="0" cy="0"/>
+          <a:chOff x="0" y="0"/>
+          <a:chExt cx="0" cy="0"/>
+        </a:xfrm>
+      </p:grpSpPr>
+      <p:sp>
+        <p:nvSpPr>
+          <p:cNvPr id="3" name="TextBox 2"/>
+          <p:cNvSpPr txBox="1"/>
+          <p:nvPr/>
+        </p:nvSpPr>
+        <p:spPr>
+          <a:xfrm>
+            <a:off x="548640" y="470346"/>
+            <a:ext cx="8055807" cy="461665"/>
+          </a:xfrm>
+          <a:prstGeom prst="rect">
+            <a:avLst/>
+          </a:prstGeom>
+          <a:noFill/>
+        </p:spPr>
+        <p:txBody>
+          <a:bodyPr wrap="square" rtlCol="0">
+            <a:spAutoFit/>
+          </a:bodyPr>
+          <a:lstStyle/>
+          <a:p>
+            <a:r>
+              <a:rPr lang="en-US" altLang="ko-KR" sz="2400" dirty="0" smtClean="0">
+                <a:latin typeface="HY헤드라인M" pitchFamily="18" charset="-127"/>
+                <a:ea typeface="HY헤드라인M" pitchFamily="18" charset="-127"/>
+              </a:rPr>
+              <a:t>Firebase</a:t>
+            </a:r>
+            <a:endParaRPr lang="ko-KR" altLang="en-US" sz="2400" dirty="0">
+              <a:latin typeface="HY헤드라인M" pitchFamily="18" charset="-127"/>
+              <a:ea typeface="HY헤드라인M" pitchFamily="18" charset="-127"/>
+            </a:endParaRPr>
+          </a:p>
+        </p:txBody>
+      </p:sp>
+      <p:pic>
+        <p:nvPicPr>
+          <p:cNvPr id="2" name="그림 1"/>
+          <p:cNvPicPr>
+            <a:picLocks noChangeAspect="1"/>
+          </p:cNvPicPr>
+          <p:nvPr/>
+        </p:nvPicPr>
+        <p:blipFill>
+          <a:blip r:embed="rId2" cstate="print">
+            <a:extLst>
+              <a:ext uri="{28A0092B-C50C-407E-A947-70E740481C1C}">
+                <a14:useLocalDpi xmlns:a14="http://schemas.microsoft.com/office/drawing/2010/main" val="0"/>
+              </a:ext>
+            </a:extLst>
+          </a:blip>
+          <a:stretch>
+            <a:fillRect/>
+          </a:stretch>
+        </p:blipFill>
+        <p:spPr>
+          <a:xfrm>
+            <a:off x="7596744" y="2925352"/>
+            <a:ext cx="71600" cy="71600"/>
+          </a:xfrm>
+          <a:prstGeom prst="rect">
+            <a:avLst/>
+          </a:prstGeom>
+        </p:spPr>
+      </p:pic>
+      <p:sp>
+        <p:nvSpPr>
+          <p:cNvPr id="5" name="모서리가 둥근 직사각형 4"/>
+          <p:cNvSpPr/>
+          <p:nvPr/>
+        </p:nvSpPr>
+        <p:spPr>
+          <a:xfrm>
+            <a:off x="439982" y="1196752"/>
+            <a:ext cx="8164465" cy="5345844"/>
+          </a:xfrm>
+          <a:prstGeom prst="roundRect">
+            <a:avLst>
+              <a:gd name="adj" fmla="val 8134"/>
+            </a:avLst>
+          </a:prstGeom>
+          <a:ln/>
+        </p:spPr>
+        <p:style>
+          <a:lnRef idx="2">
+            <a:schemeClr val="accent1"/>
+          </a:lnRef>
+          <a:fillRef idx="1">
+            <a:schemeClr val="lt1"/>
+          </a:fillRef>
+          <a:effectRef idx="0">
+            <a:schemeClr val="accent1"/>
+          </a:effectRef>
+          <a:fontRef idx="minor">
+            <a:schemeClr val="dk1"/>
+          </a:fontRef>
+        </p:style>
+        <p:txBody>
+          <a:bodyPr rtlCol="0" anchor="t"/>
+          <a:lstStyle/>
+          <a:p>
+            <a:pPr marL="285750" indent="-285750">
+              <a:lnSpc>
+                <a:spcPct val="150000"/>
+              </a:lnSpc>
+              <a:buFont typeface="Wingdings" panose="05000000000000000000" pitchFamily="2" charset="2"/>
+              <a:buChar char="Ø"/>
+            </a:pPr>
+            <a:r>
+              <a:rPr lang="ko-KR" altLang="en-US" sz="2000" dirty="0" smtClean="0">
+                <a:solidFill>
+                  <a:srgbClr val="0000FF"/>
+                </a:solidFill>
+                <a:latin typeface="+mn-ea"/>
+              </a:rPr>
+              <a:t>명령어</a:t>
+            </a:r>
+            <a:endParaRPr lang="en-US" altLang="ko-KR" sz="2000" dirty="0">
+              <a:solidFill>
+                <a:srgbClr val="0000FF"/>
+              </a:solidFill>
+              <a:latin typeface="+mn-ea"/>
+            </a:endParaRPr>
+          </a:p>
+          <a:p>
+            <a:pPr marL="742950" lvl="1" indent="-285750" latinLnBrk="0">
+              <a:lnSpc>
+                <a:spcPct val="150000"/>
+              </a:lnSpc>
+              <a:buFont typeface="Arial" panose="020B0604020202020204" pitchFamily="34" charset="0"/>
+              <a:buChar char="•"/>
+            </a:pPr>
+            <a:r>
+              <a:rPr lang="en-US" altLang="ko-KR" sz="1600" dirty="0" err="1">
+                <a:solidFill>
+                  <a:srgbClr val="00B050"/>
+                </a:solidFill>
+              </a:rPr>
+              <a:t>npm</a:t>
+            </a:r>
+            <a:r>
+              <a:rPr lang="en-US" altLang="ko-KR" sz="1600" dirty="0">
+                <a:solidFill>
+                  <a:srgbClr val="00B050"/>
+                </a:solidFill>
+              </a:rPr>
+              <a:t> install -S firebase</a:t>
+            </a:r>
+            <a:endParaRPr lang="en-US" altLang="ko-KR" sz="1600" dirty="0" smtClean="0">
+              <a:solidFill>
+                <a:srgbClr val="00B050"/>
+              </a:solidFill>
+            </a:endParaRPr>
+          </a:p>
+          <a:p>
+            <a:pPr marL="742950" lvl="1" indent="-285750" latinLnBrk="0">
+              <a:lnSpc>
+                <a:spcPct val="150000"/>
+              </a:lnSpc>
+              <a:buFont typeface="Arial" panose="020B0604020202020204" pitchFamily="34" charset="0"/>
+              <a:buChar char="•"/>
+            </a:pPr>
+            <a:r>
+              <a:rPr lang="en-US" altLang="ko-KR" sz="1600" dirty="0" err="1"/>
+              <a:t>npm</a:t>
+            </a:r>
+            <a:r>
+              <a:rPr lang="en-US" altLang="ko-KR" sz="1600" dirty="0"/>
+              <a:t> install -g </a:t>
+            </a:r>
+            <a:r>
+              <a:rPr lang="en-US" altLang="ko-KR" sz="1600" dirty="0" smtClean="0"/>
+              <a:t>firebase-tools</a:t>
+            </a:r>
+            <a:endParaRPr lang="en-US" altLang="ko-KR" sz="1600" dirty="0" smtClean="0"/>
+          </a:p>
+          <a:p>
+            <a:pPr marL="742950" lvl="1" indent="-285750" latinLnBrk="0">
+              <a:lnSpc>
+                <a:spcPct val="150000"/>
+              </a:lnSpc>
+              <a:buFont typeface="Arial" panose="020B0604020202020204" pitchFamily="34" charset="0"/>
+              <a:buChar char="•"/>
+            </a:pPr>
+            <a:r>
+              <a:rPr lang="en-US" altLang="ko-KR" sz="1600" dirty="0" smtClean="0"/>
+              <a:t>firebase </a:t>
+            </a:r>
+            <a:r>
+              <a:rPr lang="en-US" altLang="ko-KR" sz="1600" dirty="0"/>
+              <a:t>login</a:t>
+            </a:r>
+          </a:p>
+          <a:p>
+            <a:pPr marL="742950" lvl="1" indent="-285750" latinLnBrk="0">
+              <a:lnSpc>
+                <a:spcPct val="150000"/>
+              </a:lnSpc>
+              <a:buFont typeface="Arial" panose="020B0604020202020204" pitchFamily="34" charset="0"/>
+              <a:buChar char="•"/>
+            </a:pPr>
+            <a:r>
+              <a:rPr lang="en-US" altLang="ko-KR" sz="1600" dirty="0" smtClean="0"/>
+              <a:t>firebase </a:t>
+            </a:r>
+            <a:r>
+              <a:rPr lang="en-US" altLang="ko-KR" sz="1600" dirty="0" err="1"/>
+              <a:t>init</a:t>
+            </a:r>
+            <a:endParaRPr lang="en-US" altLang="ko-KR" sz="1600" dirty="0"/>
+          </a:p>
+          <a:p>
+            <a:pPr marL="1200150" lvl="2" indent="-285750" latinLnBrk="0">
+              <a:lnSpc>
+                <a:spcPct val="150000"/>
+              </a:lnSpc>
+              <a:buFont typeface="Wingdings" panose="05000000000000000000" pitchFamily="2" charset="2"/>
+              <a:buChar char="ü"/>
+            </a:pPr>
+            <a:r>
+              <a:rPr lang="en-US" altLang="ko-KR" sz="1400" dirty="0" smtClean="0"/>
+              <a:t>Hosting</a:t>
+            </a:r>
+            <a:r>
+              <a:rPr lang="en-US" altLang="ko-KR" sz="1400" dirty="0"/>
+              <a:t>: Configure and deploy Firebase Hosting </a:t>
+            </a:r>
+            <a:r>
+              <a:rPr lang="en-US" altLang="ko-KR" sz="1400" dirty="0" smtClean="0"/>
+              <a:t>sites</a:t>
+            </a:r>
+          </a:p>
+          <a:p>
+            <a:pPr marL="742950" lvl="1" indent="-285750" latinLnBrk="0">
+              <a:lnSpc>
+                <a:spcPct val="150000"/>
+              </a:lnSpc>
+              <a:buFont typeface="Arial" panose="020B0604020202020204" pitchFamily="34" charset="0"/>
+              <a:buChar char="•"/>
+            </a:pPr>
+            <a:r>
+              <a:rPr lang="en-US" altLang="ko-KR" sz="1600" dirty="0" smtClean="0"/>
+              <a:t>firebase serve</a:t>
+            </a:r>
+          </a:p>
+          <a:p>
+            <a:pPr marL="1200150" lvl="2" indent="-285750" latinLnBrk="0">
+              <a:lnSpc>
+                <a:spcPct val="150000"/>
+              </a:lnSpc>
+              <a:buFont typeface="Wingdings" panose="05000000000000000000" pitchFamily="2" charset="2"/>
+              <a:buChar char="ü"/>
+            </a:pPr>
+            <a:r>
+              <a:rPr lang="en-US" altLang="ko-KR" sz="1400" dirty="0" smtClean="0"/>
+              <a:t>localhost:5000</a:t>
+            </a:r>
+          </a:p>
+          <a:p>
+            <a:pPr marL="742950" lvl="1" indent="-285750" latinLnBrk="0">
+              <a:lnSpc>
+                <a:spcPct val="150000"/>
+              </a:lnSpc>
+              <a:buFont typeface="Arial" panose="020B0604020202020204" pitchFamily="34" charset="0"/>
+              <a:buChar char="•"/>
+            </a:pPr>
+            <a:r>
+              <a:rPr lang="en-US" altLang="ko-KR" sz="1600" dirty="0"/>
+              <a:t>y</a:t>
+            </a:r>
+            <a:r>
+              <a:rPr lang="en-US" altLang="ko-KR" sz="1600" dirty="0" smtClean="0"/>
+              <a:t>arn deploy</a:t>
+            </a:r>
+          </a:p>
+          <a:p>
+            <a:pPr marL="1200150" lvl="2" indent="-285750" latinLnBrk="0">
+              <a:lnSpc>
+                <a:spcPct val="150000"/>
+              </a:lnSpc>
+              <a:buFont typeface="Arial" panose="020B0604020202020204" pitchFamily="34" charset="0"/>
+              <a:buChar char="•"/>
+            </a:pPr>
+            <a:r>
+              <a:rPr lang="en-US" altLang="ko-KR" sz="1600" dirty="0"/>
+              <a:t> </a:t>
+            </a:r>
+            <a:r>
+              <a:rPr lang="en-US" altLang="ko-KR" sz="1200" dirty="0"/>
+              <a:t>"deploy": "react-scripts build &amp;&amp; firebase deploy"</a:t>
+            </a:r>
+          </a:p>
+          <a:p>
+            <a:pPr marL="742950" lvl="1" indent="-285750" latinLnBrk="0">
+              <a:lnSpc>
+                <a:spcPct val="150000"/>
+              </a:lnSpc>
+              <a:buFont typeface="Arial" panose="020B0604020202020204" pitchFamily="34" charset="0"/>
+              <a:buChar char="•"/>
+            </a:pPr>
+            <a:r>
+              <a:rPr lang="en-US" altLang="ko-KR" sz="1600" smtClean="0"/>
+              <a:t>firebsae</a:t>
+            </a:r>
+            <a:r>
+              <a:rPr lang="en-US" altLang="ko-KR" sz="1600" dirty="0" smtClean="0"/>
+              <a:t> </a:t>
+            </a:r>
+            <a:r>
+              <a:rPr lang="en-US" altLang="ko-KR" sz="1600" dirty="0" smtClean="0"/>
+              <a:t>deploy </a:t>
+            </a:r>
+          </a:p>
+          <a:p>
+            <a:pPr marL="742950" lvl="1" indent="-285750" latinLnBrk="0">
+              <a:lnSpc>
+                <a:spcPct val="150000"/>
+              </a:lnSpc>
+              <a:buFont typeface="Arial" panose="020B0604020202020204" pitchFamily="34" charset="0"/>
+              <a:buChar char="•"/>
+            </a:pPr>
+            <a:r>
+              <a:rPr lang="en-US" altLang="ko-KR" sz="1600" dirty="0" smtClean="0"/>
+              <a:t>build -&gt; functions -&gt; </a:t>
+            </a:r>
+            <a:r>
+              <a:rPr lang="en-US" altLang="ko-KR" sz="1600" dirty="0" err="1" smtClean="0"/>
+              <a:t>package.json</a:t>
+            </a:r>
+            <a:endParaRPr lang="en-US" altLang="ko-KR" sz="1600" dirty="0" smtClean="0"/>
+          </a:p>
+          <a:p>
+            <a:pPr marL="1200150" lvl="2" indent="-285750" latinLnBrk="0">
+              <a:lnSpc>
+                <a:spcPct val="150000"/>
+              </a:lnSpc>
+              <a:buFont typeface="Wingdings" panose="05000000000000000000" pitchFamily="2" charset="2"/>
+              <a:buChar char="ü"/>
+            </a:pPr>
+            <a:r>
+              <a:rPr lang="en-US" altLang="ko-KR" sz="1100" dirty="0" smtClean="0"/>
+              <a:t>"</a:t>
+            </a:r>
+            <a:r>
+              <a:rPr lang="en-US" altLang="ko-KR" sz="1100" dirty="0"/>
+              <a:t>engines": {</a:t>
+            </a:r>
+          </a:p>
+          <a:p>
+            <a:pPr marL="1200150" lvl="2" indent="-285750" latinLnBrk="0">
+              <a:lnSpc>
+                <a:spcPct val="150000"/>
+              </a:lnSpc>
+              <a:buFont typeface="Wingdings" panose="05000000000000000000" pitchFamily="2" charset="2"/>
+              <a:buChar char="ü"/>
+            </a:pPr>
+            <a:r>
+              <a:rPr lang="en-US" altLang="ko-KR" sz="1100" dirty="0"/>
+              <a:t>"node": "8"</a:t>
+            </a:r>
+          </a:p>
+          <a:p>
+            <a:pPr marL="1200150" lvl="2" indent="-285750" latinLnBrk="0">
+              <a:lnSpc>
+                <a:spcPct val="150000"/>
+              </a:lnSpc>
+              <a:buFont typeface="Wingdings" panose="05000000000000000000" pitchFamily="2" charset="2"/>
+              <a:buChar char="ü"/>
+            </a:pPr>
+            <a:r>
+              <a:rPr lang="en-US" altLang="ko-KR" sz="1100" dirty="0"/>
+              <a:t>  }</a:t>
+            </a:r>
+          </a:p>
+          <a:p>
+            <a:pPr marL="742950" lvl="1" indent="-285750" latinLnBrk="0">
+              <a:lnSpc>
+                <a:spcPct val="150000"/>
+              </a:lnSpc>
+              <a:buFont typeface="Arial" panose="020B0604020202020204" pitchFamily="34" charset="0"/>
+              <a:buChar char="•"/>
+            </a:pPr>
+            <a:endParaRPr lang="en-US" altLang="ko-KR" sz="1600" dirty="0"/>
+          </a:p>
+          <a:p>
+            <a:pPr marL="742950" lvl="1" indent="-285750" latinLnBrk="0">
+              <a:lnSpc>
+                <a:spcPct val="150000"/>
+              </a:lnSpc>
+              <a:buFont typeface="Arial" panose="020B0604020202020204" pitchFamily="34" charset="0"/>
+              <a:buChar char="•"/>
+            </a:pPr>
+            <a:endParaRPr lang="en-US" altLang="ko-KR" sz="1600" dirty="0" smtClean="0"/>
+          </a:p>
+          <a:p>
+            <a:pPr marL="742950" lvl="1" indent="-285750" latinLnBrk="0">
+              <a:lnSpc>
+                <a:spcPct val="150000"/>
+              </a:lnSpc>
+              <a:buFont typeface="Arial" panose="020B0604020202020204" pitchFamily="34" charset="0"/>
+              <a:buChar char="•"/>
+            </a:pPr>
+            <a:endParaRPr lang="en-US" altLang="ko-KR" sz="1600" dirty="0" smtClean="0"/>
+          </a:p>
+          <a:p>
+            <a:pPr marL="742950" lvl="1" indent="-285750" latinLnBrk="0">
+              <a:lnSpc>
+                <a:spcPct val="150000"/>
+              </a:lnSpc>
+              <a:buFont typeface="Arial" panose="020B0604020202020204" pitchFamily="34" charset="0"/>
+              <a:buChar char="•"/>
+            </a:pPr>
+            <a:endParaRPr lang="en-US" altLang="ko-KR" sz="1600" dirty="0">
+              <a:solidFill>
+                <a:srgbClr val="FF0000"/>
+              </a:solidFill>
+            </a:endParaRPr>
+          </a:p>
+        </p:txBody>
+      </p:sp>
+    </p:spTree>
+    <p:extLst>
+      <p:ext uri="{BB962C8B-B14F-4D97-AF65-F5344CB8AC3E}">
+        <p14:creationId xmlns:p14="http://schemas.microsoft.com/office/powerpoint/2010/main" val="2977809507"/>
       </p:ext>
     </p:extLst>
   </p:cSld>

--- a/Deploy/Firebase/Firebase 시작하기.pptx
+++ b/Deploy/Firebase/Firebase 시작하기.pptx
@@ -5,10 +5,10 @@
     <p:sldMasterId id="2147483659" r:id="rId1"/>
   </p:sldMasterIdLst>
   <p:notesMasterIdLst>
-    <p:notesMasterId r:id="rId11"/>
+    <p:notesMasterId r:id="rId12"/>
   </p:notesMasterIdLst>
   <p:handoutMasterIdLst>
-    <p:handoutMasterId r:id="rId12"/>
+    <p:handoutMasterId r:id="rId13"/>
   </p:handoutMasterIdLst>
   <p:sldIdLst>
     <p:sldId id="615" r:id="rId2"/>
@@ -20,6 +20,7 @@
     <p:sldId id="1149" r:id="rId8"/>
     <p:sldId id="1147" r:id="rId9"/>
     <p:sldId id="1150" r:id="rId10"/>
+    <p:sldId id="1151" r:id="rId11"/>
   </p:sldIdLst>
   <p:sldSz cx="9144000" cy="6858000" type="screen4x3"/>
   <p:notesSz cx="6865938" cy="9998075"/>
@@ -252,7 +253,7 @@
           <a:p>
             <a:fld id="{0701E38F-D71B-4628-B377-F26FA834EB07}" type="datetimeFigureOut">
               <a:rPr lang="ko-KR" altLang="en-US" smtClean="0"/>
-              <a:t>2022-12-07</a:t>
+              <a:t>2023-03-09</a:t>
             </a:fld>
             <a:endParaRPr lang="ko-KR" altLang="en-US"/>
           </a:p>
@@ -418,7 +419,7 @@
             <a:fld id="{BC75A1C1-99F9-4ED1-B968-97F8F766565C}" type="datetimeFigureOut">
               <a:rPr lang="ko-KR" altLang="en-US" smtClean="0"/>
               <a:pPr/>
-              <a:t>2022-12-07</a:t>
+              <a:t>2023-03-09</a:t>
             </a:fld>
             <a:endParaRPr lang="ko-KR" altLang="en-US"/>
           </a:p>
@@ -3118,6 +3119,294 @@
 </p:sld>
 </file>
 
+<file path=ppt/slides/slide10.xml><?xml version="1.0" encoding="utf-8"?>
+<p:sld xmlns:a="http://schemas.openxmlformats.org/drawingml/2006/main" xmlns:r="http://schemas.openxmlformats.org/officeDocument/2006/relationships" xmlns:p="http://schemas.openxmlformats.org/presentationml/2006/main">
+  <p:cSld>
+    <p:spTree>
+      <p:nvGrpSpPr>
+        <p:cNvPr id="1" name=""/>
+        <p:cNvGrpSpPr/>
+        <p:nvPr/>
+      </p:nvGrpSpPr>
+      <p:grpSpPr>
+        <a:xfrm>
+          <a:off x="0" y="0"/>
+          <a:ext cx="0" cy="0"/>
+          <a:chOff x="0" y="0"/>
+          <a:chExt cx="0" cy="0"/>
+        </a:xfrm>
+      </p:grpSpPr>
+      <p:sp>
+        <p:nvSpPr>
+          <p:cNvPr id="3" name="TextBox 2"/>
+          <p:cNvSpPr txBox="1"/>
+          <p:nvPr/>
+        </p:nvSpPr>
+        <p:spPr>
+          <a:xfrm>
+            <a:off x="548640" y="470346"/>
+            <a:ext cx="8055807" cy="461665"/>
+          </a:xfrm>
+          <a:prstGeom prst="rect">
+            <a:avLst/>
+          </a:prstGeom>
+          <a:noFill/>
+        </p:spPr>
+        <p:txBody>
+          <a:bodyPr wrap="square" rtlCol="0">
+            <a:spAutoFit/>
+          </a:bodyPr>
+          <a:lstStyle/>
+          <a:p>
+            <a:r>
+              <a:rPr lang="en-US" altLang="ko-KR" sz="2400" dirty="0" smtClean="0">
+                <a:latin typeface="HY헤드라인M" pitchFamily="18" charset="-127"/>
+                <a:ea typeface="HY헤드라인M" pitchFamily="18" charset="-127"/>
+              </a:rPr>
+              <a:t>Firebase</a:t>
+            </a:r>
+            <a:endParaRPr lang="ko-KR" altLang="en-US" sz="2400" dirty="0">
+              <a:latin typeface="HY헤드라인M" pitchFamily="18" charset="-127"/>
+              <a:ea typeface="HY헤드라인M" pitchFamily="18" charset="-127"/>
+            </a:endParaRPr>
+          </a:p>
+        </p:txBody>
+      </p:sp>
+      <p:pic>
+        <p:nvPicPr>
+          <p:cNvPr id="2" name="그림 1"/>
+          <p:cNvPicPr>
+            <a:picLocks noChangeAspect="1"/>
+          </p:cNvPicPr>
+          <p:nvPr/>
+        </p:nvPicPr>
+        <p:blipFill>
+          <a:blip r:embed="rId2" cstate="print">
+            <a:extLst>
+              <a:ext uri="{28A0092B-C50C-407E-A947-70E740481C1C}">
+                <a14:useLocalDpi xmlns:a14="http://schemas.microsoft.com/office/drawing/2010/main" val="0"/>
+              </a:ext>
+            </a:extLst>
+          </a:blip>
+          <a:stretch>
+            <a:fillRect/>
+          </a:stretch>
+        </p:blipFill>
+        <p:spPr>
+          <a:xfrm>
+            <a:off x="7596744" y="2925352"/>
+            <a:ext cx="71600" cy="71600"/>
+          </a:xfrm>
+          <a:prstGeom prst="rect">
+            <a:avLst/>
+          </a:prstGeom>
+        </p:spPr>
+      </p:pic>
+      <p:sp>
+        <p:nvSpPr>
+          <p:cNvPr id="5" name="모서리가 둥근 직사각형 4"/>
+          <p:cNvSpPr/>
+          <p:nvPr/>
+        </p:nvSpPr>
+        <p:spPr>
+          <a:xfrm>
+            <a:off x="439982" y="1196752"/>
+            <a:ext cx="8164465" cy="5345844"/>
+          </a:xfrm>
+          <a:prstGeom prst="roundRect">
+            <a:avLst>
+              <a:gd name="adj" fmla="val 8134"/>
+            </a:avLst>
+          </a:prstGeom>
+          <a:ln/>
+        </p:spPr>
+        <p:style>
+          <a:lnRef idx="2">
+            <a:schemeClr val="accent1"/>
+          </a:lnRef>
+          <a:fillRef idx="1">
+            <a:schemeClr val="lt1"/>
+          </a:fillRef>
+          <a:effectRef idx="0">
+            <a:schemeClr val="accent1"/>
+          </a:effectRef>
+          <a:fontRef idx="minor">
+            <a:schemeClr val="dk1"/>
+          </a:fontRef>
+        </p:style>
+        <p:txBody>
+          <a:bodyPr rtlCol="0" anchor="t"/>
+          <a:lstStyle/>
+          <a:p>
+            <a:pPr marL="285750" indent="-285750">
+              <a:lnSpc>
+                <a:spcPct val="150000"/>
+              </a:lnSpc>
+              <a:buFont typeface="Wingdings" panose="05000000000000000000" pitchFamily="2" charset="2"/>
+              <a:buChar char="Ø"/>
+            </a:pPr>
+            <a:r>
+              <a:rPr lang="ko-KR" altLang="en-US" sz="2000" dirty="0" smtClean="0">
+                <a:solidFill>
+                  <a:srgbClr val="0000FF"/>
+                </a:solidFill>
+                <a:latin typeface="+mn-ea"/>
+              </a:rPr>
+              <a:t>문제 해결</a:t>
+            </a:r>
+            <a:endParaRPr lang="en-US" altLang="ko-KR" sz="2000" dirty="0">
+              <a:solidFill>
+                <a:srgbClr val="0000FF"/>
+              </a:solidFill>
+              <a:latin typeface="+mn-ea"/>
+            </a:endParaRPr>
+          </a:p>
+          <a:p>
+            <a:pPr marL="742950" lvl="1" indent="-285750" latinLnBrk="0">
+              <a:lnSpc>
+                <a:spcPct val="150000"/>
+              </a:lnSpc>
+              <a:buFont typeface="Arial" panose="020B0604020202020204" pitchFamily="34" charset="0"/>
+              <a:buChar char="•"/>
+            </a:pPr>
+            <a:r>
+              <a:rPr lang="en-US" altLang="ko-KR" sz="1600" dirty="0">
+                <a:solidFill>
+                  <a:srgbClr val="00B050"/>
+                </a:solidFill>
+              </a:rPr>
+              <a:t>firebase login --</a:t>
+            </a:r>
+            <a:r>
+              <a:rPr lang="en-US" altLang="ko-KR" sz="1600" dirty="0" err="1">
+                <a:solidFill>
+                  <a:srgbClr val="00B050"/>
+                </a:solidFill>
+              </a:rPr>
+              <a:t>reauth</a:t>
+            </a:r>
+            <a:endParaRPr lang="en-US" altLang="ko-KR" sz="1600" dirty="0">
+              <a:solidFill>
+                <a:srgbClr val="00B050"/>
+              </a:solidFill>
+            </a:endParaRPr>
+          </a:p>
+          <a:p>
+            <a:pPr marL="742950" lvl="1" indent="-285750" latinLnBrk="0">
+              <a:lnSpc>
+                <a:spcPct val="150000"/>
+              </a:lnSpc>
+              <a:buFont typeface="Arial" panose="020B0604020202020204" pitchFamily="34" charset="0"/>
+              <a:buChar char="•"/>
+            </a:pPr>
+            <a:r>
+              <a:rPr lang="en-US" altLang="ko-KR" sz="1600" dirty="0" smtClean="0">
+                <a:solidFill>
+                  <a:srgbClr val="00B050"/>
+                </a:solidFill>
+              </a:rPr>
+              <a:t>firebase </a:t>
+            </a:r>
+            <a:r>
+              <a:rPr lang="en-US" altLang="ko-KR" sz="1600" dirty="0">
+                <a:solidFill>
+                  <a:srgbClr val="00B050"/>
+                </a:solidFill>
+              </a:rPr>
+              <a:t>logout</a:t>
+            </a:r>
+          </a:p>
+          <a:p>
+            <a:pPr marL="742950" lvl="1" indent="-285750" latinLnBrk="0">
+              <a:lnSpc>
+                <a:spcPct val="150000"/>
+              </a:lnSpc>
+              <a:buFont typeface="Arial" panose="020B0604020202020204" pitchFamily="34" charset="0"/>
+              <a:buChar char="•"/>
+            </a:pPr>
+            <a:r>
+              <a:rPr lang="en-US" altLang="ko-KR" sz="1600" dirty="0" smtClean="0">
+                <a:solidFill>
+                  <a:srgbClr val="00B050"/>
+                </a:solidFill>
+              </a:rPr>
+              <a:t>firebase login</a:t>
+            </a:r>
+          </a:p>
+          <a:p>
+            <a:pPr marL="742950" lvl="1" indent="-285750" latinLnBrk="0">
+              <a:lnSpc>
+                <a:spcPct val="150000"/>
+              </a:lnSpc>
+              <a:buFont typeface="Arial" panose="020B0604020202020204" pitchFamily="34" charset="0"/>
+              <a:buChar char="•"/>
+            </a:pPr>
+            <a:r>
+              <a:rPr lang="en-US" altLang="ko-KR" sz="1600" dirty="0"/>
+              <a:t>firebase </a:t>
+            </a:r>
+            <a:r>
+              <a:rPr lang="en-US" altLang="ko-KR" sz="1600" dirty="0" err="1"/>
+              <a:t>projects:list</a:t>
+            </a:r>
+            <a:endParaRPr lang="en-US" altLang="ko-KR" sz="1600" dirty="0"/>
+          </a:p>
+          <a:p>
+            <a:pPr marL="742950" lvl="1" indent="-285750" latinLnBrk="0">
+              <a:lnSpc>
+                <a:spcPct val="150000"/>
+              </a:lnSpc>
+              <a:buFont typeface="Arial" panose="020B0604020202020204" pitchFamily="34" charset="0"/>
+              <a:buChar char="•"/>
+            </a:pPr>
+            <a:endParaRPr lang="en-US" altLang="ko-KR" sz="1600" dirty="0" smtClean="0"/>
+          </a:p>
+          <a:p>
+            <a:pPr marL="742950" lvl="1" indent="-285750" latinLnBrk="0">
+              <a:lnSpc>
+                <a:spcPct val="150000"/>
+              </a:lnSpc>
+              <a:buFont typeface="Arial" panose="020B0604020202020204" pitchFamily="34" charset="0"/>
+              <a:buChar char="•"/>
+            </a:pPr>
+            <a:endParaRPr lang="en-US" altLang="ko-KR" sz="1600" dirty="0" smtClean="0"/>
+          </a:p>
+          <a:p>
+            <a:pPr marL="742950" lvl="1" indent="-285750" latinLnBrk="0">
+              <a:lnSpc>
+                <a:spcPct val="150000"/>
+              </a:lnSpc>
+              <a:buFont typeface="Arial" panose="020B0604020202020204" pitchFamily="34" charset="0"/>
+              <a:buChar char="•"/>
+            </a:pPr>
+            <a:endParaRPr lang="en-US" altLang="ko-KR" sz="1600" dirty="0">
+              <a:solidFill>
+                <a:srgbClr val="FF0000"/>
+              </a:solidFill>
+            </a:endParaRPr>
+          </a:p>
+        </p:txBody>
+      </p:sp>
+    </p:spTree>
+    <p:extLst>
+      <p:ext uri="{BB962C8B-B14F-4D97-AF65-F5344CB8AC3E}">
+        <p14:creationId xmlns:p14="http://schemas.microsoft.com/office/powerpoint/2010/main" val="2276615738"/>
+      </p:ext>
+    </p:extLst>
+  </p:cSld>
+  <p:clrMapOvr>
+    <a:masterClrMapping/>
+  </p:clrMapOvr>
+  <p:timing>
+    <p:tnLst>
+      <p:par>
+        <p:cTn id="1" dur="indefinite" restart="never" nodeType="tmRoot"/>
+      </p:par>
+    </p:tnLst>
+  </p:timing>
+</p:sld>
+</file>
+
 <file path=ppt/slides/slide2.xml><?xml version="1.0" encoding="utf-8"?>
 <p:sld xmlns:a="http://schemas.openxmlformats.org/drawingml/2006/main" xmlns:r="http://schemas.openxmlformats.org/officeDocument/2006/relationships" xmlns:p="http://schemas.openxmlformats.org/presentationml/2006/main">
   <p:cSld>
@@ -6331,7 +6620,7 @@
               <a:buChar char="•"/>
             </a:pPr>
             <a:r>
-              <a:rPr lang="en-US" altLang="ko-KR" sz="1600" dirty="0" err="1">
+              <a:rPr lang="en-US" altLang="ko-KR" sz="1400" dirty="0" err="1">
                 <a:solidFill>
                   <a:srgbClr val="00B050"/>
                 </a:solidFill>
@@ -6339,14 +6628,14 @@
               <a:t>npm</a:t>
             </a:r>
             <a:r>
-              <a:rPr lang="en-US" altLang="ko-KR" sz="1600" dirty="0">
+              <a:rPr lang="en-US" altLang="ko-KR" sz="1400" dirty="0">
                 <a:solidFill>
                   <a:srgbClr val="00B050"/>
                 </a:solidFill>
               </a:rPr>
               <a:t> install -S firebase</a:t>
             </a:r>
-            <a:endParaRPr lang="en-US" altLang="ko-KR" sz="1600" dirty="0" smtClean="0">
+            <a:endParaRPr lang="en-US" altLang="ko-KR" sz="1400" dirty="0" smtClean="0">
               <a:solidFill>
                 <a:srgbClr val="00B050"/>
               </a:solidFill>
@@ -6361,18 +6650,17 @@
               <a:buChar char="•"/>
             </a:pPr>
             <a:r>
-              <a:rPr lang="en-US" altLang="ko-KR" sz="1600" dirty="0" err="1"/>
+              <a:rPr lang="en-US" altLang="ko-KR" sz="1400" dirty="0" err="1"/>
               <a:t>npm</a:t>
             </a:r>
             <a:r>
-              <a:rPr lang="en-US" altLang="ko-KR" sz="1600" dirty="0"/>
+              <a:rPr lang="en-US" altLang="ko-KR" sz="1400" dirty="0"/>
               <a:t> install -g </a:t>
             </a:r>
             <a:r>
-              <a:rPr lang="en-US" altLang="ko-KR" sz="1600" dirty="0" smtClean="0"/>
+              <a:rPr lang="en-US" altLang="ko-KR" sz="1400" dirty="0" smtClean="0"/>
               <a:t>firebase-tools</a:t>
             </a:r>
-            <a:endParaRPr lang="en-US" altLang="ko-KR" sz="1600" dirty="0" smtClean="0"/>
           </a:p>
           <a:p>
             <a:pPr marL="742950" lvl="1" indent="-285750" latinLnBrk="0">
@@ -6383,11 +6671,11 @@
               <a:buChar char="•"/>
             </a:pPr>
             <a:r>
-              <a:rPr lang="en-US" altLang="ko-KR" sz="1600" dirty="0" smtClean="0"/>
+              <a:rPr lang="en-US" altLang="ko-KR" sz="1400" dirty="0" smtClean="0"/>
               <a:t>firebase </a:t>
             </a:r>
             <a:r>
-              <a:rPr lang="en-US" altLang="ko-KR" sz="1600" dirty="0"/>
+              <a:rPr lang="en-US" altLang="ko-KR" sz="1400" dirty="0"/>
               <a:t>login</a:t>
             </a:r>
           </a:p>
@@ -6400,14 +6688,14 @@
               <a:buChar char="•"/>
             </a:pPr>
             <a:r>
-              <a:rPr lang="en-US" altLang="ko-KR" sz="1600" dirty="0" smtClean="0"/>
+              <a:rPr lang="en-US" altLang="ko-KR" sz="1400" dirty="0" smtClean="0"/>
               <a:t>firebase </a:t>
             </a:r>
             <a:r>
-              <a:rPr lang="en-US" altLang="ko-KR" sz="1600" dirty="0" err="1"/>
+              <a:rPr lang="en-US" altLang="ko-KR" sz="1400" dirty="0" err="1"/>
               <a:t>init</a:t>
             </a:r>
-            <a:endParaRPr lang="en-US" altLang="ko-KR" sz="1600" dirty="0"/>
+            <a:endParaRPr lang="en-US" altLang="ko-KR" sz="1400" dirty="0"/>
           </a:p>
           <a:p>
             <a:pPr marL="1200150" lvl="2" indent="-285750" latinLnBrk="0">
@@ -6418,17 +6706,52 @@
               <a:buChar char="ü"/>
             </a:pPr>
             <a:r>
-              <a:rPr lang="en-US" altLang="ko-KR" sz="1400" dirty="0" smtClean="0"/>
+              <a:rPr lang="en-US" altLang="ko-KR" sz="1200" dirty="0" smtClean="0"/>
               <a:t>Hosting</a:t>
             </a:r>
             <a:r>
-              <a:rPr lang="en-US" altLang="ko-KR" sz="1400" dirty="0"/>
+              <a:rPr lang="en-US" altLang="ko-KR" sz="1200" dirty="0"/>
               <a:t>: Configure and deploy Firebase Hosting </a:t>
             </a:r>
             <a:r>
-              <a:rPr lang="en-US" altLang="ko-KR" sz="1400" dirty="0" smtClean="0"/>
+              <a:rPr lang="en-US" altLang="ko-KR" sz="1200" dirty="0" smtClean="0"/>
               <a:t>sites</a:t>
             </a:r>
+          </a:p>
+          <a:p>
+            <a:pPr marL="1200150" lvl="2" indent="-285750" latinLnBrk="0">
+              <a:lnSpc>
+                <a:spcPct val="150000"/>
+              </a:lnSpc>
+              <a:buFont typeface="Wingdings" panose="05000000000000000000" pitchFamily="2" charset="2"/>
+              <a:buChar char="ü"/>
+            </a:pPr>
+            <a:r>
+              <a:rPr lang="en-US" altLang="ko-KR" sz="1200" dirty="0"/>
+              <a:t>For which GitHub repository would you like to set up a GitHub workflow? </a:t>
+            </a:r>
+          </a:p>
+          <a:p>
+            <a:pPr marL="1657350" lvl="3" indent="-285750" latinLnBrk="0">
+              <a:lnSpc>
+                <a:spcPct val="150000"/>
+              </a:lnSpc>
+              <a:buFont typeface="Wingdings" panose="05000000000000000000" pitchFamily="2" charset="2"/>
+              <a:buChar char="v"/>
+            </a:pPr>
+            <a:r>
+              <a:rPr lang="en-US" altLang="ko-KR" sz="1200" dirty="0" smtClean="0">
+                <a:solidFill>
+                  <a:srgbClr val="00B050"/>
+                </a:solidFill>
+              </a:rPr>
+              <a:t>jsh-1235/react-firebase-tutorial</a:t>
+            </a:r>
+            <a:endParaRPr lang="en-US" altLang="ko-KR" sz="1200" dirty="0" smtClean="0">
+              <a:solidFill>
+                <a:srgbClr val="00B050"/>
+              </a:solidFill>
+            </a:endParaRPr>
           </a:p>
           <a:p>
             <a:pPr marL="742950" lvl="1" indent="-285750" latinLnBrk="0">
@@ -6439,7 +6762,11 @@
               <a:buChar char="•"/>
             </a:pPr>
             <a:r>
-              <a:rPr lang="en-US" altLang="ko-KR" sz="1600" dirty="0" smtClean="0"/>
+              <a:rPr lang="en-US" altLang="ko-KR" sz="1400" dirty="0" smtClean="0">
+                <a:solidFill>
+                  <a:srgbClr val="FF0000"/>
+                </a:solidFill>
+              </a:rPr>
               <a:t>firebase serve</a:t>
             </a:r>
           </a:p>
@@ -6452,7 +6779,7 @@
               <a:buChar char="ü"/>
             </a:pPr>
             <a:r>
-              <a:rPr lang="en-US" altLang="ko-KR" sz="1400" dirty="0" smtClean="0"/>
+              <a:rPr lang="en-US" altLang="ko-KR" sz="1200" dirty="0" smtClean="0"/>
               <a:t>localhost:5000</a:t>
             </a:r>
           </a:p>
@@ -6465,16 +6792,33 @@
               <a:buChar char="•"/>
             </a:pPr>
             <a:r>
-              <a:rPr lang="en-US" altLang="ko-KR" sz="1600" dirty="0"/>
+              <a:rPr lang="en-US" altLang="ko-KR" sz="1400" dirty="0"/>
               <a:t>y</a:t>
             </a:r>
             <a:r>
-              <a:rPr lang="en-US" altLang="ko-KR" sz="1600" dirty="0" smtClean="0"/>
+              <a:rPr lang="en-US" altLang="ko-KR" sz="1400" dirty="0" smtClean="0"/>
               <a:t>arn deploy</a:t>
             </a:r>
           </a:p>
           <a:p>
             <a:pPr marL="1200150" lvl="2" indent="-285750" latinLnBrk="0">
+              <a:lnSpc>
+                <a:spcPct val="150000"/>
+              </a:lnSpc>
+              <a:buFont typeface="Wingdings" panose="05000000000000000000" pitchFamily="2" charset="2"/>
+              <a:buChar char="ü"/>
+            </a:pPr>
+            <a:r>
+              <a:rPr lang="en-US" altLang="ko-KR" sz="1400" dirty="0"/>
+              <a:t> </a:t>
+            </a:r>
+            <a:r>
+              <a:rPr lang="en-US" altLang="ko-KR" sz="1100" dirty="0"/>
+              <a:t>"deploy": "react-scripts build &amp;&amp; firebase deploy"</a:t>
+            </a:r>
+          </a:p>
+          <a:p>
+            <a:pPr marL="742950" lvl="1" indent="-285750" latinLnBrk="0">
               <a:lnSpc>
                 <a:spcPct val="150000"/>
               </a:lnSpc>
@@ -6482,12 +6826,12 @@
               <a:buChar char="•"/>
             </a:pPr>
             <a:r>
-              <a:rPr lang="en-US" altLang="ko-KR" sz="1600" dirty="0"/>
-              <a:t> </a:t>
-            </a:r>
-            <a:r>
-              <a:rPr lang="en-US" altLang="ko-KR" sz="1200" dirty="0"/>
-              <a:t>"deploy": "react-scripts build &amp;&amp; firebase deploy"</a:t>
+              <a:rPr lang="en-US" altLang="ko-KR" sz="1400" dirty="0"/>
+              <a:t>firebase </a:t>
+            </a:r>
+            <a:r>
+              <a:rPr lang="en-US" altLang="ko-KR" sz="1400" dirty="0" smtClean="0"/>
+              <a:t>deploy </a:t>
             </a:r>
           </a:p>
           <a:p>
@@ -6499,35 +6843,14 @@
               <a:buChar char="•"/>
             </a:pPr>
             <a:r>
-              <a:rPr lang="en-US" altLang="ko-KR" sz="1600" smtClean="0"/>
-              <a:t>firebsae</a:t>
-            </a:r>
-            <a:r>
-              <a:rPr lang="en-US" altLang="ko-KR" sz="1600" dirty="0" smtClean="0"/>
-              <a:t> </a:t>
-            </a:r>
-            <a:r>
-              <a:rPr lang="en-US" altLang="ko-KR" sz="1600" dirty="0" smtClean="0"/>
-              <a:t>deploy </a:t>
-            </a:r>
-          </a:p>
-          <a:p>
-            <a:pPr marL="742950" lvl="1" indent="-285750" latinLnBrk="0">
-              <a:lnSpc>
-                <a:spcPct val="150000"/>
-              </a:lnSpc>
-              <a:buFont typeface="Arial" panose="020B0604020202020204" pitchFamily="34" charset="0"/>
-              <a:buChar char="•"/>
-            </a:pPr>
-            <a:r>
-              <a:rPr lang="en-US" altLang="ko-KR" sz="1600" dirty="0" smtClean="0"/>
+              <a:rPr lang="en-US" altLang="ko-KR" sz="1400" dirty="0" smtClean="0"/>
               <a:t>build -&gt; functions -&gt; </a:t>
             </a:r>
             <a:r>
-              <a:rPr lang="en-US" altLang="ko-KR" sz="1600" dirty="0" err="1" smtClean="0"/>
+              <a:rPr lang="en-US" altLang="ko-KR" sz="1400" dirty="0" err="1" smtClean="0"/>
               <a:t>package.json</a:t>
             </a:r>
-            <a:endParaRPr lang="en-US" altLang="ko-KR" sz="1600" dirty="0" smtClean="0"/>
+            <a:endParaRPr lang="en-US" altLang="ko-KR" sz="1400" dirty="0" smtClean="0"/>
           </a:p>
           <a:p>
             <a:pPr marL="1200150" lvl="2" indent="-285750" latinLnBrk="0">
@@ -6538,11 +6861,11 @@
               <a:buChar char="ü"/>
             </a:pPr>
             <a:r>
-              <a:rPr lang="en-US" altLang="ko-KR" sz="1100" dirty="0" smtClean="0"/>
+              <a:rPr lang="en-US" altLang="ko-KR" sz="1050" dirty="0" smtClean="0"/>
               <a:t>"</a:t>
             </a:r>
             <a:r>
-              <a:rPr lang="en-US" altLang="ko-KR" sz="1100" dirty="0"/>
+              <a:rPr lang="en-US" altLang="ko-KR" sz="1050" dirty="0"/>
               <a:t>engines": {</a:t>
             </a:r>
           </a:p>
@@ -6555,7 +6878,7 @@
               <a:buChar char="ü"/>
             </a:pPr>
             <a:r>
-              <a:rPr lang="en-US" altLang="ko-KR" sz="1100" dirty="0"/>
+              <a:rPr lang="en-US" altLang="ko-KR" sz="1050" dirty="0"/>
               <a:t>"node": "8"</a:t>
             </a:r>
           </a:p>
@@ -6568,7 +6891,7 @@
               <a:buChar char="ü"/>
             </a:pPr>
             <a:r>
-              <a:rPr lang="en-US" altLang="ko-KR" sz="1100" dirty="0"/>
+              <a:rPr lang="en-US" altLang="ko-KR" sz="1050" dirty="0"/>
               <a:t>  }</a:t>
             </a:r>
           </a:p>
